--- a/In-class report Jianru Wang.pptx
+++ b/In-class report Jianru Wang.pptx
@@ -4092,7 +4092,7 @@
           <a:p>
             <a:fld id="{4AAD347D-5ACD-4C99-B74B-A9C85AD731AF}" type="datetimeFigureOut">
               <a:rPr lang="en-US" smtClean="0"/>
-              <a:t>4/11/19</a:t>
+              <a:t>4/12/19</a:t>
             </a:fld>
             <a:endParaRPr lang="en-US" dirty="0"/>
           </a:p>
@@ -4343,7 +4343,7 @@
           <a:p>
             <a:fld id="{4AAD347D-5ACD-4C99-B74B-A9C85AD731AF}" type="datetimeFigureOut">
               <a:rPr lang="en-US" smtClean="0"/>
-              <a:t>4/11/19</a:t>
+              <a:t>4/12/19</a:t>
             </a:fld>
             <a:endParaRPr lang="en-US" dirty="0"/>
           </a:p>
@@ -4658,7 +4658,7 @@
           <a:p>
             <a:fld id="{4AAD347D-5ACD-4C99-B74B-A9C85AD731AF}" type="datetimeFigureOut">
               <a:rPr lang="en-US" smtClean="0"/>
-              <a:t>4/11/19</a:t>
+              <a:t>4/12/19</a:t>
             </a:fld>
             <a:endParaRPr lang="en-US" dirty="0"/>
           </a:p>
@@ -4992,7 +4992,7 @@
           <a:p>
             <a:fld id="{4509A250-FF31-4206-8172-F9D3106AACB1}" type="datetimeFigureOut">
               <a:rPr lang="en-US" smtClean="0"/>
-              <a:t>4/11/19</a:t>
+              <a:t>4/12/19</a:t>
             </a:fld>
             <a:endParaRPr lang="en-US" dirty="0"/>
           </a:p>
@@ -5306,7 +5306,7 @@
           <a:p>
             <a:fld id="{4AAD347D-5ACD-4C99-B74B-A9C85AD731AF}" type="datetimeFigureOut">
               <a:rPr lang="en-US" smtClean="0"/>
-              <a:t>4/11/19</a:t>
+              <a:t>4/12/19</a:t>
             </a:fld>
             <a:endParaRPr lang="en-US" dirty="0"/>
           </a:p>
@@ -5700,7 +5700,7 @@
           <a:p>
             <a:fld id="{4AAD347D-5ACD-4C99-B74B-A9C85AD731AF}" type="datetimeFigureOut">
               <a:rPr lang="en-US" smtClean="0"/>
-              <a:t>4/11/19</a:t>
+              <a:t>4/12/19</a:t>
             </a:fld>
             <a:endParaRPr lang="en-US" dirty="0"/>
           </a:p>
@@ -5871,7 +5871,7 @@
           <a:p>
             <a:fld id="{4509A250-FF31-4206-8172-F9D3106AACB1}" type="datetimeFigureOut">
               <a:rPr lang="en-US" smtClean="0"/>
-              <a:t>4/11/19</a:t>
+              <a:t>4/12/19</a:t>
             </a:fld>
             <a:endParaRPr lang="en-US" dirty="0"/>
           </a:p>
@@ -6051,7 +6051,7 @@
           <a:p>
             <a:fld id="{4509A250-FF31-4206-8172-F9D3106AACB1}" type="datetimeFigureOut">
               <a:rPr lang="en-US" smtClean="0"/>
-              <a:t>4/11/19</a:t>
+              <a:t>4/12/19</a:t>
             </a:fld>
             <a:endParaRPr lang="en-US" dirty="0"/>
           </a:p>
@@ -6221,7 +6221,7 @@
           <a:p>
             <a:fld id="{4509A250-FF31-4206-8172-F9D3106AACB1}" type="datetimeFigureOut">
               <a:rPr lang="en-US" smtClean="0"/>
-              <a:t>4/11/19</a:t>
+              <a:t>4/12/19</a:t>
             </a:fld>
             <a:endParaRPr lang="en-US" dirty="0"/>
           </a:p>
@@ -6468,7 +6468,7 @@
           <a:p>
             <a:fld id="{9796027F-7875-4030-9381-8BD8C4F21935}" type="datetimeFigureOut">
               <a:rPr lang="en-US" smtClean="0"/>
-              <a:t>4/11/19</a:t>
+              <a:t>4/12/19</a:t>
             </a:fld>
             <a:endParaRPr lang="en-US" dirty="0"/>
           </a:p>
@@ -6700,7 +6700,7 @@
           <a:p>
             <a:fld id="{9796027F-7875-4030-9381-8BD8C4F21935}" type="datetimeFigureOut">
               <a:rPr lang="en-US" smtClean="0"/>
-              <a:t>4/11/19</a:t>
+              <a:t>4/12/19</a:t>
             </a:fld>
             <a:endParaRPr lang="en-US" dirty="0"/>
           </a:p>
@@ -7074,7 +7074,7 @@
           <a:p>
             <a:fld id="{9796027F-7875-4030-9381-8BD8C4F21935}" type="datetimeFigureOut">
               <a:rPr lang="en-US" smtClean="0"/>
-              <a:t>4/11/19</a:t>
+              <a:t>4/12/19</a:t>
             </a:fld>
             <a:endParaRPr lang="en-US" dirty="0"/>
           </a:p>
@@ -7197,7 +7197,7 @@
           <a:p>
             <a:fld id="{4509A250-FF31-4206-8172-F9D3106AACB1}" type="datetimeFigureOut">
               <a:rPr lang="en-US" smtClean="0"/>
-              <a:t>4/11/19</a:t>
+              <a:t>4/12/19</a:t>
             </a:fld>
             <a:endParaRPr lang="en-US" dirty="0"/>
           </a:p>
@@ -7292,7 +7292,7 @@
           <a:p>
             <a:fld id="{4509A250-FF31-4206-8172-F9D3106AACB1}" type="datetimeFigureOut">
               <a:rPr lang="en-US" smtClean="0"/>
-              <a:t>4/11/19</a:t>
+              <a:t>4/12/19</a:t>
             </a:fld>
             <a:endParaRPr lang="en-US" dirty="0"/>
           </a:p>
@@ -7547,7 +7547,7 @@
           <a:p>
             <a:fld id="{4509A250-FF31-4206-8172-F9D3106AACB1}" type="datetimeFigureOut">
               <a:rPr lang="en-US" smtClean="0"/>
-              <a:t>4/11/19</a:t>
+              <a:t>4/12/19</a:t>
             </a:fld>
             <a:endParaRPr lang="en-US" dirty="0"/>
           </a:p>
@@ -7852,7 +7852,7 @@
           <a:p>
             <a:fld id="{4509A250-FF31-4206-8172-F9D3106AACB1}" type="datetimeFigureOut">
               <a:rPr lang="en-US" smtClean="0"/>
-              <a:t>4/11/19</a:t>
+              <a:t>4/12/19</a:t>
             </a:fld>
             <a:endParaRPr lang="en-US" dirty="0"/>
           </a:p>
@@ -8554,7 +8554,7 @@
           <a:p>
             <a:fld id="{4AAD347D-5ACD-4C99-B74B-A9C85AD731AF}" type="datetimeFigureOut">
               <a:rPr lang="en-US" smtClean="0"/>
-              <a:t>4/11/19</a:t>
+              <a:t>4/12/19</a:t>
             </a:fld>
             <a:endParaRPr lang="en-US" dirty="0"/>
           </a:p>
@@ -10179,7 +10179,7 @@
           <a:lstStyle/>
           <a:p>
             <a:r>
-              <a:rPr kumimoji="1" lang="en-US" altLang="zh-CN" dirty="0"/>
+              <a:rPr kumimoji="1" lang="en-US" altLang="zh-CN" sz="2000" dirty="0"/>
               <a:t>An interactive web page with three sub pages, corresponding with three main functions of this app</a:t>
             </a:r>
           </a:p>
@@ -11736,7 +11736,7 @@
           <a:lstStyle/>
           <a:p>
             <a:r>
-              <a:rPr kumimoji="1" lang="en-US" altLang="zh-CN">
+              <a:rPr kumimoji="1" lang="en-US" altLang="zh-CN" dirty="0">
                 <a:solidFill>
                   <a:schemeClr val="tx1">
                     <a:lumMod val="85000"/>
@@ -11746,7 +11746,7 @@
               </a:rPr>
               <a:t>Project Design – Server side</a:t>
             </a:r>
-            <a:endParaRPr kumimoji="1" lang="zh-CN" altLang="en-US">
+            <a:endParaRPr kumimoji="1" lang="zh-CN" altLang="en-US" dirty="0">
               <a:solidFill>
                 <a:schemeClr val="tx1">
                   <a:lumMod val="85000"/>
@@ -11775,8 +11775,8 @@
         </p:nvSpPr>
         <p:spPr>
           <a:xfrm>
-            <a:off x="6116084" y="609600"/>
-            <a:ext cx="5511296" cy="5545667"/>
+            <a:off x="5521781" y="92171"/>
+            <a:ext cx="6379273" cy="6433320"/>
           </a:xfrm>
         </p:spPr>
         <p:txBody>
@@ -11786,7 +11786,7 @@
           <a:lstStyle/>
           <a:p>
             <a:r>
-              <a:rPr kumimoji="1" lang="en-US" altLang="zh-CN">
+              <a:rPr kumimoji="1" lang="en-US" altLang="zh-CN" sz="2000" dirty="0">
                 <a:solidFill>
                   <a:srgbClr val="FFFFFF"/>
                 </a:solidFill>
@@ -11797,7 +11797,18 @@
           <a:p>
             <a:pPr lvl="1"/>
             <a:r>
-              <a:rPr kumimoji="1" lang="en-US" altLang="zh-CN">
+              <a:rPr kumimoji="1" lang="en-US" altLang="zh-CN" dirty="0">
+                <a:solidFill>
+                  <a:srgbClr val="FFFFFF"/>
+                </a:solidFill>
+              </a:rPr>
+              <a:t>Tomcat, as a Container, will manage Java Servlets</a:t>
+            </a:r>
+          </a:p>
+          <a:p>
+            <a:pPr lvl="1"/>
+            <a:r>
+              <a:rPr kumimoji="1" lang="en-US" altLang="zh-CN" dirty="0">
                 <a:solidFill>
                   <a:srgbClr val="FFFFFF"/>
                 </a:solidFill>
@@ -11808,7 +11819,7 @@
           <a:p>
             <a:pPr lvl="1"/>
             <a:r>
-              <a:rPr kumimoji="1" lang="en-US" altLang="zh-CN">
+              <a:rPr kumimoji="1" lang="en-US" altLang="zh-CN" dirty="0">
                 <a:solidFill>
                   <a:srgbClr val="FFFFFF"/>
                 </a:solidFill>
@@ -11819,18 +11830,7 @@
           <a:p>
             <a:pPr lvl="1"/>
             <a:r>
-              <a:rPr kumimoji="1" lang="en-US" altLang="zh-CN">
-                <a:solidFill>
-                  <a:srgbClr val="FFFFFF"/>
-                </a:solidFill>
-              </a:rPr>
-              <a:t>Tomcat, as a Container, will manage Java Servlets</a:t>
-            </a:r>
-          </a:p>
-          <a:p>
-            <a:pPr lvl="1"/>
-            <a:r>
-              <a:rPr kumimoji="1" lang="en-US" altLang="zh-CN">
+              <a:rPr kumimoji="1" lang="en-US" altLang="zh-CN" dirty="0">
                 <a:solidFill>
                   <a:srgbClr val="FFFFFF"/>
                 </a:solidFill>
@@ -11841,16 +11841,25 @@
           <a:p>
             <a:pPr lvl="1"/>
             <a:r>
-              <a:rPr kumimoji="1" lang="en-US" altLang="zh-CN">
+              <a:rPr kumimoji="1" lang="en-US" altLang="zh-CN" dirty="0">
                 <a:solidFill>
                   <a:srgbClr val="FFFFFF"/>
                 </a:solidFill>
               </a:rPr>
-              <a:t>Then, it will call different methods in order to get certain data and send them back to Client, based on users request</a:t>
+              <a:t>If users are searching activities, RESTful API will connect to external APIs and return real-time event data, and connect to DB to store their history searching data</a:t>
             </a:r>
           </a:p>
           <a:p>
-            <a:endParaRPr kumimoji="1" lang="zh-CN" altLang="en-US">
+            <a:pPr lvl="1"/>
+            <a:r>
+              <a:rPr kumimoji="1" lang="en-US" altLang="zh-CN" dirty="0">
+                <a:solidFill>
+                  <a:srgbClr val="FFFFFF"/>
+                </a:solidFill>
+              </a:rPr>
+              <a:t>If users are saving their favorite activities, RESTful API will connect to DB to store these</a:t>
+            </a:r>
+            <a:endParaRPr kumimoji="1" lang="zh-CN" altLang="en-US" dirty="0">
               <a:solidFill>
                 <a:srgbClr val="FFFFFF"/>
               </a:solidFill>
@@ -12153,7 +12162,7 @@
           <a:lstStyle/>
           <a:p>
             <a:r>
-              <a:rPr kumimoji="1" lang="en-US" altLang="zh-CN">
+              <a:rPr kumimoji="1" lang="en-US" altLang="zh-CN" sz="2000" dirty="0">
                 <a:solidFill>
                   <a:schemeClr val="bg1"/>
                 </a:solidFill>
@@ -12164,45 +12173,167 @@
           <a:p>
             <a:pPr lvl="1"/>
             <a:r>
-              <a:rPr kumimoji="1" lang="en-US" altLang="zh-CN">
+              <a:rPr kumimoji="1" lang="en-US" altLang="zh-CN" dirty="0">
                 <a:solidFill>
                   <a:schemeClr val="bg1"/>
                 </a:solidFill>
               </a:rPr>
-              <a:t>Event data: event_id, name, distance, address, rating, image, url</a:t>
+              <a:t>Event data: </a:t>
             </a:r>
-          </a:p>
-          <a:p>
-            <a:pPr lvl="1"/>
             <a:r>
-              <a:rPr kumimoji="1" lang="en-US" altLang="zh-CN">
+              <a:rPr kumimoji="1" lang="en-US" altLang="zh-CN" dirty="0" err="1">
                 <a:solidFill>
                   <a:schemeClr val="bg1"/>
                 </a:solidFill>
               </a:rPr>
-              <a:t>User data: user_id, password, first_name, last_name</a:t>
+              <a:t>event_id</a:t>
             </a:r>
-          </a:p>
-          <a:p>
-            <a:pPr lvl="1"/>
             <a:r>
-              <a:rPr kumimoji="1" lang="en-US" altLang="zh-CN">
+              <a:rPr kumimoji="1" lang="en-US" altLang="zh-CN" dirty="0">
                 <a:solidFill>
                   <a:schemeClr val="bg1"/>
                 </a:solidFill>
               </a:rPr>
-              <a:t>History data: user_id, event_id, time</a:t>
+              <a:t>, name, distance, address, rating, image, </a:t>
             </a:r>
-          </a:p>
-          <a:p>
-            <a:pPr lvl="1"/>
             <a:r>
-              <a:rPr kumimoji="1" lang="en-US" altLang="zh-CN">
+              <a:rPr kumimoji="1" lang="en-US" altLang="zh-CN" dirty="0" err="1">
                 <a:solidFill>
                   <a:schemeClr val="bg1"/>
                 </a:solidFill>
               </a:rPr>
-              <a:t>Category data: event_id, category</a:t>
+              <a:t>url</a:t>
+            </a:r>
+            <a:endParaRPr kumimoji="1" lang="en-US" altLang="zh-CN" dirty="0">
+              <a:solidFill>
+                <a:schemeClr val="bg1"/>
+              </a:solidFill>
+            </a:endParaRPr>
+          </a:p>
+          <a:p>
+            <a:pPr lvl="1"/>
+            <a:r>
+              <a:rPr kumimoji="1" lang="en-US" altLang="zh-CN" dirty="0">
+                <a:solidFill>
+                  <a:schemeClr val="bg1"/>
+                </a:solidFill>
+              </a:rPr>
+              <a:t>User data: </a:t>
+            </a:r>
+            <a:r>
+              <a:rPr kumimoji="1" lang="en-US" altLang="zh-CN" dirty="0" err="1">
+                <a:solidFill>
+                  <a:schemeClr val="bg1"/>
+                </a:solidFill>
+              </a:rPr>
+              <a:t>user_id</a:t>
+            </a:r>
+            <a:r>
+              <a:rPr kumimoji="1" lang="en-US" altLang="zh-CN" dirty="0">
+                <a:solidFill>
+                  <a:schemeClr val="bg1"/>
+                </a:solidFill>
+              </a:rPr>
+              <a:t>, password, </a:t>
+            </a:r>
+            <a:r>
+              <a:rPr kumimoji="1" lang="en-US" altLang="zh-CN" dirty="0" err="1">
+                <a:solidFill>
+                  <a:schemeClr val="bg1"/>
+                </a:solidFill>
+              </a:rPr>
+              <a:t>first_name</a:t>
+            </a:r>
+            <a:r>
+              <a:rPr kumimoji="1" lang="en-US" altLang="zh-CN" dirty="0">
+                <a:solidFill>
+                  <a:schemeClr val="bg1"/>
+                </a:solidFill>
+              </a:rPr>
+              <a:t>, </a:t>
+            </a:r>
+            <a:r>
+              <a:rPr kumimoji="1" lang="en-US" altLang="zh-CN" dirty="0" err="1">
+                <a:solidFill>
+                  <a:schemeClr val="bg1"/>
+                </a:solidFill>
+              </a:rPr>
+              <a:t>last_name</a:t>
+            </a:r>
+            <a:endParaRPr kumimoji="1" lang="en-US" altLang="zh-CN" dirty="0">
+              <a:solidFill>
+                <a:schemeClr val="bg1"/>
+              </a:solidFill>
+            </a:endParaRPr>
+          </a:p>
+          <a:p>
+            <a:pPr lvl="1"/>
+            <a:r>
+              <a:rPr kumimoji="1" lang="en-US" altLang="zh-CN" dirty="0">
+                <a:solidFill>
+                  <a:schemeClr val="bg1"/>
+                </a:solidFill>
+              </a:rPr>
+              <a:t>History data: </a:t>
+            </a:r>
+            <a:r>
+              <a:rPr kumimoji="1" lang="en-US" altLang="zh-CN" dirty="0" err="1">
+                <a:solidFill>
+                  <a:schemeClr val="bg1"/>
+                </a:solidFill>
+              </a:rPr>
+              <a:t>user_id</a:t>
+            </a:r>
+            <a:r>
+              <a:rPr kumimoji="1" lang="en-US" altLang="zh-CN" dirty="0">
+                <a:solidFill>
+                  <a:schemeClr val="bg1"/>
+                </a:solidFill>
+              </a:rPr>
+              <a:t>, </a:t>
+            </a:r>
+            <a:r>
+              <a:rPr kumimoji="1" lang="en-US" altLang="zh-CN" dirty="0" err="1">
+                <a:solidFill>
+                  <a:schemeClr val="bg1"/>
+                </a:solidFill>
+              </a:rPr>
+              <a:t>event_id</a:t>
+            </a:r>
+            <a:r>
+              <a:rPr kumimoji="1" lang="en-US" altLang="zh-CN" dirty="0">
+                <a:solidFill>
+                  <a:schemeClr val="bg1"/>
+                </a:solidFill>
+              </a:rPr>
+              <a:t>, time</a:t>
+            </a:r>
+          </a:p>
+          <a:p>
+            <a:pPr lvl="1"/>
+            <a:r>
+              <a:rPr kumimoji="1" lang="en-US" altLang="zh-CN" dirty="0">
+                <a:solidFill>
+                  <a:schemeClr val="bg1"/>
+                </a:solidFill>
+              </a:rPr>
+              <a:t>Category data: </a:t>
+            </a:r>
+            <a:r>
+              <a:rPr kumimoji="1" lang="en-US" altLang="zh-CN" dirty="0" err="1">
+                <a:solidFill>
+                  <a:schemeClr val="bg1"/>
+                </a:solidFill>
+              </a:rPr>
+              <a:t>event_id</a:t>
+            </a:r>
+            <a:r>
+              <a:rPr kumimoji="1" lang="en-US" altLang="zh-CN" dirty="0">
+                <a:solidFill>
+                  <a:schemeClr val="bg1"/>
+                </a:solidFill>
+              </a:rPr>
+              <a:t>, category</a:t>
             </a:r>
           </a:p>
         </p:txBody>
